--- a/doc/PRESENTACIÓN F1-REST.pptx
+++ b/doc/PRESENTACIÓN F1-REST.pptx
@@ -10593,7 +10593,7 @@
               <a:rPr lang="es-ES" sz="3600" dirty="0">
                 <a:latin typeface="+mj-lt"/>
               </a:rPr>
-              <a:t>/objeto/{</a:t>
+              <a:t>/objetos/{</a:t>
             </a:r>
             <a:r>
               <a:rPr lang="es-ES" sz="3600" dirty="0" err="1">
@@ -10874,7 +10874,7 @@
                 </a:solidFill>
                 <a:latin typeface="+mj-lt"/>
               </a:rPr>
-              <a:t>GET /objeto/{</a:t>
+              <a:t>GET /objetos/{</a:t>
             </a:r>
             <a:r>
               <a:rPr lang="es-ES" sz="3200" dirty="0" err="1">
@@ -10917,7 +10917,7 @@
                 </a:solidFill>
                 <a:latin typeface="+mj-lt"/>
               </a:rPr>
-              <a:t>PUT /objeto/{</a:t>
+              <a:t>PUT /objetos/{</a:t>
             </a:r>
             <a:r>
               <a:rPr lang="es-ES" sz="3200" dirty="0" err="1">
